--- a/Customer_retention_PPT.pptx
+++ b/Customer_retention_PPT.pptx
@@ -131,17 +131,6 @@
 </p:presentation>
 </file>
 
-<file path=ppt/revisionInfo.xml><?xml version="1.0" encoding="utf-8"?>
-<p1510:revInfo xmlns:a="http://schemas.openxmlformats.org/drawingml/2006/main" xmlns:r="http://schemas.openxmlformats.org/officeDocument/2006/relationships" xmlns:p1510="http://schemas.microsoft.com/office/powerpoint/2015/10/main">
-  <p1510:revLst>
-    <p1510:client id="{46442093-FF09-446E-9A4B-8324650074FA}" v="851" dt="2021-05-06T16:45:26.158"/>
-    <p1510:client id="{643735D7-804F-47F3-996D-09BC0690FF32}" v="1973" dt="2021-03-04T08:36:43.590"/>
-    <p1510:client id="{9334600E-37D0-4DE2-B01A-573D67C2E7D4}" v="9" dt="2021-03-04T09:26:10.462"/>
-    <p1510:client id="{C4C2C482-1E8F-43AA-A45F-74736BDF7B9F}" v="2448" dt="2021-01-02T18:32:57.845"/>
-  </p1510:revLst>
-</p1510:revInfo>
-</file>
-
 <file path=ppt/slideLayouts/slideLayout1.xml><?xml version="1.0" encoding="utf-8"?>
 <p:sldLayout xmlns:a="http://schemas.openxmlformats.org/drawingml/2006/main" xmlns:r="http://schemas.openxmlformats.org/officeDocument/2006/relationships" xmlns:p="http://schemas.openxmlformats.org/presentationml/2006/main" type="title" preserve="1">
   <p:cSld name="Title Slide">
@@ -271,7 +260,7 @@
           <a:p>
             <a:fld id="{846CE7D5-CF57-46EF-B807-FDD0502418D4}" type="datetimeFigureOut">
               <a:rPr lang="en-US" smtClean="0"/>
-              <a:t>5/6/2021</a:t>
+              <a:t>11/21/2022</a:t>
             </a:fld>
             <a:endParaRPr lang="en-US"/>
           </a:p>
@@ -439,7 +428,7 @@
           <a:p>
             <a:fld id="{846CE7D5-CF57-46EF-B807-FDD0502418D4}" type="datetimeFigureOut">
               <a:rPr lang="en-US" smtClean="0"/>
-              <a:t>5/6/2021</a:t>
+              <a:t>11/21/2022</a:t>
             </a:fld>
             <a:endParaRPr lang="en-US"/>
           </a:p>
@@ -617,7 +606,7 @@
           <a:p>
             <a:fld id="{846CE7D5-CF57-46EF-B807-FDD0502418D4}" type="datetimeFigureOut">
               <a:rPr lang="en-US" smtClean="0"/>
-              <a:t>5/6/2021</a:t>
+              <a:t>11/21/2022</a:t>
             </a:fld>
             <a:endParaRPr lang="en-US"/>
           </a:p>
@@ -785,7 +774,7 @@
           <a:p>
             <a:fld id="{846CE7D5-CF57-46EF-B807-FDD0502418D4}" type="datetimeFigureOut">
               <a:rPr lang="en-US" smtClean="0"/>
-              <a:t>5/6/2021</a:t>
+              <a:t>11/21/2022</a:t>
             </a:fld>
             <a:endParaRPr lang="en-US"/>
           </a:p>
@@ -1030,7 +1019,7 @@
           <a:p>
             <a:fld id="{846CE7D5-CF57-46EF-B807-FDD0502418D4}" type="datetimeFigureOut">
               <a:rPr lang="en-US" smtClean="0"/>
-              <a:t>5/6/2021</a:t>
+              <a:t>11/21/2022</a:t>
             </a:fld>
             <a:endParaRPr lang="en-US"/>
           </a:p>
@@ -1259,7 +1248,7 @@
           <a:p>
             <a:fld id="{846CE7D5-CF57-46EF-B807-FDD0502418D4}" type="datetimeFigureOut">
               <a:rPr lang="en-US" smtClean="0"/>
-              <a:t>5/6/2021</a:t>
+              <a:t>11/21/2022</a:t>
             </a:fld>
             <a:endParaRPr lang="en-US"/>
           </a:p>
@@ -1623,7 +1612,7 @@
           <a:p>
             <a:fld id="{846CE7D5-CF57-46EF-B807-FDD0502418D4}" type="datetimeFigureOut">
               <a:rPr lang="en-US" smtClean="0"/>
-              <a:t>5/6/2021</a:t>
+              <a:t>11/21/2022</a:t>
             </a:fld>
             <a:endParaRPr lang="en-US"/>
           </a:p>
@@ -1740,7 +1729,7 @@
           <a:p>
             <a:fld id="{846CE7D5-CF57-46EF-B807-FDD0502418D4}" type="datetimeFigureOut">
               <a:rPr lang="en-US" smtClean="0"/>
-              <a:t>5/6/2021</a:t>
+              <a:t>11/21/2022</a:t>
             </a:fld>
             <a:endParaRPr lang="en-US"/>
           </a:p>
@@ -1835,7 +1824,7 @@
           <a:p>
             <a:fld id="{846CE7D5-CF57-46EF-B807-FDD0502418D4}" type="datetimeFigureOut">
               <a:rPr lang="en-US" smtClean="0"/>
-              <a:t>5/6/2021</a:t>
+              <a:t>11/21/2022</a:t>
             </a:fld>
             <a:endParaRPr lang="en-US"/>
           </a:p>
@@ -2110,7 +2099,7 @@
           <a:p>
             <a:fld id="{846CE7D5-CF57-46EF-B807-FDD0502418D4}" type="datetimeFigureOut">
               <a:rPr lang="en-US" smtClean="0"/>
-              <a:t>5/6/2021</a:t>
+              <a:t>11/21/2022</a:t>
             </a:fld>
             <a:endParaRPr lang="en-US"/>
           </a:p>
@@ -2365,7 +2354,7 @@
           <a:p>
             <a:fld id="{846CE7D5-CF57-46EF-B807-FDD0502418D4}" type="datetimeFigureOut">
               <a:rPr lang="en-US" smtClean="0"/>
-              <a:t>5/6/2021</a:t>
+              <a:t>11/21/2022</a:t>
             </a:fld>
             <a:endParaRPr lang="en-US"/>
           </a:p>
@@ -2576,7 +2565,7 @@
           <a:p>
             <a:fld id="{846CE7D5-CF57-46EF-B807-FDD0502418D4}" type="datetimeFigureOut">
               <a:rPr lang="en-US" smtClean="0"/>
-              <a:t>5/6/2021</a:t>
+              <a:t>11/21/2022</a:t>
             </a:fld>
             <a:endParaRPr lang="en-US"/>
           </a:p>
@@ -3067,7 +3056,7 @@
               <a:rPr lang="en-US">
                 <a:cs typeface="Calibri"/>
               </a:rPr>
-              <a:t>Saurabh M. Pawar</a:t>
+              <a:t>Shweta Kumari</a:t>
             </a:r>
           </a:p>
         </p:txBody>
